--- a/Grading.pptx
+++ b/Grading.pptx
@@ -104,6 +104,11 @@
       </a:defRPr>
     </a:lvl9pPr>
   </p:defaultTextStyle>
+  <p:extLst>
+    <p:ext uri="{EFAFB233-063F-42B5-8137-9DF3F51BA10A}">
+      <p15:sldGuideLst xmlns:p15="http://schemas.microsoft.com/office/powerpoint/2012/main"/>
+    </p:ext>
+  </p:extLst>
 </p:presentation>
 </file>
 
@@ -6133,8 +6138,8 @@
         </p:nvSpPr>
         <p:spPr>
           <a:xfrm>
-            <a:off x="1103312" y="2052918"/>
-            <a:ext cx="9577940" cy="4195481"/>
+            <a:off x="1103311" y="2052918"/>
+            <a:ext cx="10310063" cy="4195481"/>
           </a:xfrm>
         </p:spPr>
         <p:txBody>
@@ -6222,9 +6227,18 @@
               <a:t> last date – </a:t>
             </a:r>
             <a:r>
-              <a:rPr lang="en-US" b="1" dirty="0"/>
-              <a:t>7/19/2018 (Thursday)</a:t>
-            </a:r>
+              <a:rPr lang="en-US" b="1" dirty="0" smtClean="0"/>
+              <a:t>7/20/2018 </a:t>
+            </a:r>
+            <a:r>
+              <a:rPr lang="en-US" b="1" smtClean="0"/>
+              <a:t>(Thursday) </a:t>
+            </a:r>
+            <a:r>
+              <a:rPr lang="en-US" b="1" dirty="0" smtClean="0"/>
+              <a:t>– 80% for late submissions</a:t>
+            </a:r>
+            <a:endParaRPr lang="en-US" b="1" dirty="0"/>
           </a:p>
         </p:txBody>
       </p:sp>
@@ -6238,6 +6252,13 @@
   <p:clrMapOvr>
     <a:masterClrMapping/>
   </p:clrMapOvr>
+  <p:timing>
+    <p:tnLst>
+      <p:par>
+        <p:cTn id="1" dur="indefinite" restart="never" nodeType="tmRoot"/>
+      </p:par>
+    </p:tnLst>
+  </p:timing>
 </p:sld>
 </file>
 

--- a/Grading.pptx
+++ b/Grading.pptx
@@ -298,7 +298,7 @@
           <a:p>
             <a:fld id="{4AAD347D-5ACD-4C99-B74B-A9C85AD731AF}" type="datetimeFigureOut">
               <a:rPr lang="en-US" dirty="0"/>
-              <a:t>7/17/2018</a:t>
+              <a:t>7/19/2018</a:t>
             </a:fld>
             <a:endParaRPr lang="en-US" dirty="0"/>
           </a:p>
@@ -573,7 +573,7 @@
           <a:p>
             <a:fld id="{4509A250-FF31-4206-8172-F9D3106AACB1}" type="datetimeFigureOut">
               <a:rPr lang="en-US" dirty="0"/>
-              <a:t>7/17/2018</a:t>
+              <a:t>7/19/2018</a:t>
             </a:fld>
             <a:endParaRPr lang="en-US" dirty="0"/>
           </a:p>
@@ -767,7 +767,7 @@
           <a:p>
             <a:fld id="{4509A250-FF31-4206-8172-F9D3106AACB1}" type="datetimeFigureOut">
               <a:rPr lang="en-US" dirty="0"/>
-              <a:t>7/17/2018</a:t>
+              <a:t>7/19/2018</a:t>
             </a:fld>
             <a:endParaRPr lang="en-US" dirty="0"/>
           </a:p>
@@ -1040,7 +1040,7 @@
           <a:p>
             <a:fld id="{4509A250-FF31-4206-8172-F9D3106AACB1}" type="datetimeFigureOut">
               <a:rPr lang="en-US" dirty="0"/>
-              <a:t>7/17/2018</a:t>
+              <a:t>7/19/2018</a:t>
             </a:fld>
             <a:endParaRPr lang="en-US" dirty="0"/>
           </a:p>
@@ -1381,7 +1381,7 @@
           <a:p>
             <a:fld id="{4509A250-FF31-4206-8172-F9D3106AACB1}" type="datetimeFigureOut">
               <a:rPr lang="en-US" dirty="0"/>
-              <a:t>7/17/2018</a:t>
+              <a:t>7/19/2018</a:t>
             </a:fld>
             <a:endParaRPr lang="en-US" dirty="0"/>
           </a:p>
@@ -2004,7 +2004,7 @@
           <a:p>
             <a:fld id="{4509A250-FF31-4206-8172-F9D3106AACB1}" type="datetimeFigureOut">
               <a:rPr lang="en-US" dirty="0"/>
-              <a:t>7/17/2018</a:t>
+              <a:t>7/19/2018</a:t>
             </a:fld>
             <a:endParaRPr lang="en-US" dirty="0"/>
           </a:p>
@@ -2864,7 +2864,7 @@
           <a:p>
             <a:fld id="{4509A250-FF31-4206-8172-F9D3106AACB1}" type="datetimeFigureOut">
               <a:rPr lang="en-US" dirty="0"/>
-              <a:t>7/17/2018</a:t>
+              <a:t>7/19/2018</a:t>
             </a:fld>
             <a:endParaRPr lang="en-US" dirty="0"/>
           </a:p>
@@ -3034,7 +3034,7 @@
           <a:p>
             <a:fld id="{4509A250-FF31-4206-8172-F9D3106AACB1}" type="datetimeFigureOut">
               <a:rPr lang="en-US" dirty="0"/>
-              <a:t>7/17/2018</a:t>
+              <a:t>7/19/2018</a:t>
             </a:fld>
             <a:endParaRPr lang="en-US" dirty="0"/>
           </a:p>
@@ -3214,7 +3214,7 @@
           <a:p>
             <a:fld id="{4509A250-FF31-4206-8172-F9D3106AACB1}" type="datetimeFigureOut">
               <a:rPr lang="en-US" dirty="0"/>
-              <a:t>7/17/2018</a:t>
+              <a:t>7/19/2018</a:t>
             </a:fld>
             <a:endParaRPr lang="en-US" dirty="0"/>
           </a:p>
@@ -3384,7 +3384,7 @@
           <a:p>
             <a:fld id="{4509A250-FF31-4206-8172-F9D3106AACB1}" type="datetimeFigureOut">
               <a:rPr lang="en-US" dirty="0"/>
-              <a:t>7/17/2018</a:t>
+              <a:t>7/19/2018</a:t>
             </a:fld>
             <a:endParaRPr lang="en-US" dirty="0"/>
           </a:p>
@@ -3631,7 +3631,7 @@
           <a:p>
             <a:fld id="{9796027F-7875-4030-9381-8BD8C4F21935}" type="datetimeFigureOut">
               <a:rPr lang="en-US" dirty="0"/>
-              <a:t>7/17/2018</a:t>
+              <a:t>7/19/2018</a:t>
             </a:fld>
             <a:endParaRPr lang="en-US" dirty="0"/>
           </a:p>
@@ -3923,7 +3923,7 @@
           <a:p>
             <a:fld id="{9796027F-7875-4030-9381-8BD8C4F21935}" type="datetimeFigureOut">
               <a:rPr lang="en-US" dirty="0"/>
-              <a:t>7/17/2018</a:t>
+              <a:t>7/19/2018</a:t>
             </a:fld>
             <a:endParaRPr lang="en-US" dirty="0"/>
           </a:p>
@@ -4367,7 +4367,7 @@
           <a:p>
             <a:fld id="{9796027F-7875-4030-9381-8BD8C4F21935}" type="datetimeFigureOut">
               <a:rPr lang="en-US" dirty="0"/>
-              <a:t>7/17/2018</a:t>
+              <a:t>7/19/2018</a:t>
             </a:fld>
             <a:endParaRPr lang="en-US" dirty="0"/>
           </a:p>
@@ -4485,7 +4485,7 @@
           <a:p>
             <a:fld id="{4509A250-FF31-4206-8172-F9D3106AACB1}" type="datetimeFigureOut">
               <a:rPr lang="en-US" dirty="0"/>
-              <a:t>7/17/2018</a:t>
+              <a:t>7/19/2018</a:t>
             </a:fld>
             <a:endParaRPr lang="en-US" dirty="0"/>
           </a:p>
@@ -4580,7 +4580,7 @@
           <a:p>
             <a:fld id="{4509A250-FF31-4206-8172-F9D3106AACB1}" type="datetimeFigureOut">
               <a:rPr lang="en-US" dirty="0"/>
-              <a:t>7/17/2018</a:t>
+              <a:t>7/19/2018</a:t>
             </a:fld>
             <a:endParaRPr lang="en-US" dirty="0"/>
           </a:p>
@@ -4859,7 +4859,7 @@
           <a:p>
             <a:fld id="{4509A250-FF31-4206-8172-F9D3106AACB1}" type="datetimeFigureOut">
               <a:rPr lang="en-US" dirty="0"/>
-              <a:t>7/17/2018</a:t>
+              <a:t>7/19/2018</a:t>
             </a:fld>
             <a:endParaRPr lang="en-US" dirty="0"/>
           </a:p>
@@ -5134,7 +5134,7 @@
           <a:p>
             <a:fld id="{4509A250-FF31-4206-8172-F9D3106AACB1}" type="datetimeFigureOut">
               <a:rPr lang="en-US" dirty="0"/>
-              <a:t>7/17/2018</a:t>
+              <a:t>7/19/2018</a:t>
             </a:fld>
             <a:endParaRPr lang="en-US" dirty="0"/>
           </a:p>
@@ -5563,7 +5563,7 @@
           <a:p>
             <a:fld id="{4AAD347D-5ACD-4C99-B74B-A9C85AD731AF}" type="datetimeFigureOut">
               <a:rPr lang="en-US" dirty="0"/>
-              <a:t>7/17/2018</a:t>
+              <a:t>7/19/2018</a:t>
             </a:fld>
             <a:endParaRPr lang="en-US" dirty="0"/>
           </a:p>
@@ -6224,11 +6224,15 @@
             </a:r>
             <a:r>
               <a:rPr lang="en-US" dirty="0"/>
-              <a:t> last date – </a:t>
-            </a:r>
-            <a:r>
-              <a:rPr lang="en-US" b="1" dirty="0" smtClean="0"/>
-              <a:t>7/20/2018 </a:t>
+              <a:t> last date </a:t>
+            </a:r>
+            <a:r>
+              <a:rPr lang="en-US"/>
+              <a:t>– </a:t>
+            </a:r>
+            <a:r>
+              <a:rPr lang="en-US" b="1" smtClean="0"/>
+              <a:t>7/19/2018 </a:t>
             </a:r>
             <a:r>
               <a:rPr lang="en-US" b="1" smtClean="0"/>
